--- a/expert.pptx
+++ b/expert.pptx
@@ -29,8 +29,7 @@
     <p:sldId id="279" r:id="rId23"/>
     <p:sldId id="280" r:id="rId24"/>
     <p:sldId id="281" r:id="rId25"/>
-    <p:sldId id="283" r:id="rId26"/>
-    <p:sldId id="282" r:id="rId27"/>
+    <p:sldId id="282" r:id="rId26"/>
   </p:sldIdLst>
   <p:sldSz cx="9144000" cy="6858000" type="screen4x3"/>
   <p:notesSz cx="6858000" cy="9144000"/>
@@ -7669,166 +7668,6 @@
 </file>
 
 <file path=ppt/slides/slide25.xml><?xml version="1.0" encoding="utf-8"?>
-<p:sld xmlns:a="http://schemas.openxmlformats.org/drawingml/2006/main" xmlns:r="http://schemas.openxmlformats.org/officeDocument/2006/relationships" xmlns:p="http://schemas.openxmlformats.org/presentationml/2006/main">
-  <p:cSld>
-    <p:spTree>
-      <p:nvGrpSpPr>
-        <p:cNvPr id="1" name=""/>
-        <p:cNvGrpSpPr/>
-        <p:nvPr/>
-      </p:nvGrpSpPr>
-      <p:grpSpPr>
-        <a:xfrm>
-          <a:off x="0" y="0"/>
-          <a:ext cx="0" cy="0"/>
-          <a:chOff x="0" y="0"/>
-          <a:chExt cx="0" cy="0"/>
-        </a:xfrm>
-      </p:grpSpPr>
-      <p:sp>
-        <p:nvSpPr>
-          <p:cNvPr id="9" name="TextBox 8"/>
-          <p:cNvSpPr txBox="1"/>
-          <p:nvPr/>
-        </p:nvSpPr>
-        <p:spPr>
-          <a:xfrm>
-            <a:off x="2971800" y="228600"/>
-            <a:ext cx="2919389" cy="523220"/>
-          </a:xfrm>
-          <a:prstGeom prst="rect">
-            <a:avLst/>
-          </a:prstGeom>
-          <a:noFill/>
-        </p:spPr>
-        <p:txBody>
-          <a:bodyPr wrap="none" rtlCol="0">
-            <a:spAutoFit/>
-          </a:bodyPr>
-          <a:lstStyle/>
-          <a:p>
-            <a:r>
-              <a:rPr lang="en-US" sz="2800" b="1" dirty="0" smtClean="0"/>
-              <a:t>Who Does What</a:t>
-            </a:r>
-            <a:endParaRPr lang="en-US" sz="2800" b="1" dirty="0"/>
-          </a:p>
-        </p:txBody>
-      </p:sp>
-      <p:sp>
-        <p:nvSpPr>
-          <p:cNvPr id="11" name="TextBox 10"/>
-          <p:cNvSpPr txBox="1"/>
-          <p:nvPr/>
-        </p:nvSpPr>
-        <p:spPr>
-          <a:xfrm>
-            <a:off x="1219200" y="1905000"/>
-            <a:ext cx="7866256" cy="2862322"/>
-          </a:xfrm>
-          <a:prstGeom prst="rect">
-            <a:avLst/>
-          </a:prstGeom>
-          <a:noFill/>
-        </p:spPr>
-        <p:txBody>
-          <a:bodyPr wrap="none" rtlCol="0">
-            <a:spAutoFit/>
-          </a:bodyPr>
-          <a:lstStyle/>
-          <a:p>
-            <a:r>
-              <a:rPr lang="en-US" dirty="0" err="1" smtClean="0"/>
-              <a:t>Anmol</a:t>
-            </a:r>
-            <a:r>
-              <a:rPr lang="en-US" dirty="0" smtClean="0"/>
-              <a:t> </a:t>
-            </a:r>
-            <a:r>
-              <a:rPr lang="en-US" dirty="0" err="1" smtClean="0"/>
-              <a:t>Devgan</a:t>
-            </a:r>
-            <a:r>
-              <a:rPr lang="en-US" dirty="0" smtClean="0"/>
-              <a:t>				UML, Prototype</a:t>
-            </a:r>
-          </a:p>
-          <a:p>
-            <a:endParaRPr lang="en-US" dirty="0" smtClean="0"/>
-          </a:p>
-          <a:p>
-            <a:endParaRPr lang="en-US" dirty="0" smtClean="0"/>
-          </a:p>
-          <a:p>
-            <a:endParaRPr lang="en-US" dirty="0" smtClean="0"/>
-          </a:p>
-          <a:p>
-            <a:r>
-              <a:rPr lang="en-US" dirty="0" err="1" smtClean="0"/>
-              <a:t>Hanish</a:t>
-            </a:r>
-            <a:r>
-              <a:rPr lang="en-US" dirty="0" smtClean="0"/>
-              <a:t> Kumar				Use </a:t>
-            </a:r>
-            <a:r>
-              <a:rPr lang="en-US" dirty="0" err="1" smtClean="0"/>
-              <a:t>Case,Prototype</a:t>
-            </a:r>
-            <a:r>
-              <a:rPr lang="en-US" smtClean="0"/>
-              <a:t> &amp; </a:t>
-            </a:r>
-            <a:r>
-              <a:rPr lang="en-US" dirty="0" smtClean="0"/>
-              <a:t>Design</a:t>
-            </a:r>
-          </a:p>
-          <a:p>
-            <a:endParaRPr lang="en-US" dirty="0" smtClean="0"/>
-          </a:p>
-          <a:p>
-            <a:endParaRPr lang="en-US" dirty="0" smtClean="0"/>
-          </a:p>
-          <a:p>
-            <a:endParaRPr lang="en-US" dirty="0" smtClean="0"/>
-          </a:p>
-          <a:p>
-            <a:endParaRPr lang="en-US" dirty="0" smtClean="0"/>
-          </a:p>
-          <a:p>
-            <a:r>
-              <a:rPr lang="en-US" dirty="0" err="1" smtClean="0"/>
-              <a:t>Zorawar</a:t>
-            </a:r>
-            <a:r>
-              <a:rPr lang="en-US" dirty="0" smtClean="0"/>
-              <a:t> Singh				Wireframe , Prototype</a:t>
-            </a:r>
-            <a:endParaRPr lang="en-US" dirty="0"/>
-          </a:p>
-        </p:txBody>
-      </p:sp>
-    </p:spTree>
-  </p:cSld>
-  <p:clrMapOvr>
-    <a:masterClrMapping/>
-  </p:clrMapOvr>
-  <p:transition spd="med">
-    <p:pull dir="ld"/>
-  </p:transition>
-  <p:timing>
-    <p:tnLst>
-      <p:par>
-        <p:cTn id="1" dur="indefinite" restart="never" nodeType="tmRoot"/>
-      </p:par>
-    </p:tnLst>
-  </p:timing>
-</p:sld>
-</file>
-
-<file path=ppt/slides/slide26.xml><?xml version="1.0" encoding="utf-8"?>
 <p:sld xmlns:a="http://schemas.openxmlformats.org/drawingml/2006/main" xmlns:r="http://schemas.openxmlformats.org/officeDocument/2006/relationships" xmlns:p="http://schemas.openxmlformats.org/presentationml/2006/main">
   <p:cSld>
     <p:spTree>
